--- a/Presentation1.pptx
+++ b/Presentation1.pptx
@@ -7,6 +7,8 @@
   <p:sldIdLst>
     <p:sldId id="256" r:id="rId2"/>
     <p:sldId id="257" r:id="rId3"/>
+    <p:sldId id="259" r:id="rId4"/>
+    <p:sldId id="258" r:id="rId5"/>
   </p:sldIdLst>
   <p:sldSz cx="12192000" cy="6858000"/>
   <p:notesSz cx="6858000" cy="9144000"/>
@@ -105,6 +107,11 @@
       </a:defRPr>
     </a:lvl9pPr>
   </p:defaultTextStyle>
+  <p:extLst>
+    <p:ext uri="{EFAFB233-063F-42B5-8137-9DF3F51BA10A}">
+      <p15:sldGuideLst xmlns:p15="http://schemas.microsoft.com/office/powerpoint/2012/main"/>
+    </p:ext>
+  </p:extLst>
 </p:presentation>
 </file>
 
@@ -3463,7 +3470,10 @@
           <a:bodyPr/>
           <a:lstStyle/>
           <a:p>
-            <a:endParaRPr lang="en-NL"/>
+            <a:r>
+              <a:rPr lang="en-NL" dirty="0"/>
+              <a:t>Agenda</a:t>
+            </a:r>
           </a:p>
         </p:txBody>
       </p:sp>
@@ -3483,12 +3493,90 @@
             <p:ph idx="1"/>
           </p:nvPr>
         </p:nvSpPr>
-        <p:spPr/>
-        <p:txBody>
-          <a:bodyPr/>
-          <a:lstStyle/>
-          <a:p>
-            <a:endParaRPr lang="en-NL"/>
+        <p:spPr>
+          <a:xfrm>
+            <a:off x="838200" y="1825625"/>
+            <a:ext cx="9263743" cy="4351338"/>
+          </a:xfrm>
+        </p:spPr>
+        <p:txBody>
+          <a:bodyPr>
+            <a:normAutofit/>
+          </a:bodyPr>
+          <a:lstStyle/>
+          <a:p>
+            <a:pPr>
+              <a:spcAft>
+                <a:spcPts val="1200"/>
+              </a:spcAft>
+            </a:pPr>
+            <a:r>
+              <a:rPr lang="en-NL" dirty="0"/>
+              <a:t>Introduction</a:t>
+            </a:r>
+          </a:p>
+          <a:p>
+            <a:pPr>
+              <a:spcAft>
+                <a:spcPts val="1200"/>
+              </a:spcAft>
+            </a:pPr>
+            <a:r>
+              <a:rPr lang="en-NL" dirty="0"/>
+              <a:t>Why use data streaming? – Streaming success stories</a:t>
+            </a:r>
+          </a:p>
+          <a:p>
+            <a:pPr>
+              <a:spcAft>
+                <a:spcPts val="1200"/>
+              </a:spcAft>
+            </a:pPr>
+            <a:r>
+              <a:rPr lang="en-NL" dirty="0"/>
+              <a:t>Architecture (Kappa vs Lambda)</a:t>
+            </a:r>
+          </a:p>
+          <a:p>
+            <a:pPr>
+              <a:spcAft>
+                <a:spcPts val="1200"/>
+              </a:spcAft>
+            </a:pPr>
+            <a:r>
+              <a:rPr lang="en-NL" dirty="0"/>
+              <a:t>How to stream data &amp; key concepts</a:t>
+            </a:r>
+          </a:p>
+          <a:p>
+            <a:pPr>
+              <a:spcAft>
+                <a:spcPts val="1200"/>
+              </a:spcAft>
+            </a:pPr>
+            <a:r>
+              <a:rPr lang="en-NL" dirty="0"/>
+              <a:t>Demo</a:t>
+            </a:r>
+          </a:p>
+          <a:p>
+            <a:pPr>
+              <a:spcAft>
+                <a:spcPts val="1200"/>
+              </a:spcAft>
+            </a:pPr>
+            <a:r>
+              <a:rPr lang="en-NL" dirty="0"/>
+              <a:t>Next Steps</a:t>
+            </a:r>
+          </a:p>
+          <a:p>
+            <a:pPr>
+              <a:spcAft>
+                <a:spcPts val="1200"/>
+              </a:spcAft>
+            </a:pPr>
+            <a:endParaRPr lang="en-NL" dirty="0"/>
           </a:p>
         </p:txBody>
       </p:sp>
@@ -3496,6 +3584,193 @@
     <p:extLst>
       <p:ext uri="{BB962C8B-B14F-4D97-AF65-F5344CB8AC3E}">
         <p14:creationId xmlns:p14="http://schemas.microsoft.com/office/powerpoint/2010/main" val="1274530001"/>
+      </p:ext>
+    </p:extLst>
+  </p:cSld>
+  <p:clrMapOvr>
+    <a:masterClrMapping/>
+  </p:clrMapOvr>
+</p:sld>
+</file>
+
+<file path=ppt/slides/slide3.xml><?xml version="1.0" encoding="utf-8"?>
+<p:sld xmlns:a="http://schemas.openxmlformats.org/drawingml/2006/main" xmlns:r="http://schemas.openxmlformats.org/officeDocument/2006/relationships" xmlns:p="http://schemas.openxmlformats.org/presentationml/2006/main">
+  <p:cSld>
+    <p:spTree>
+      <p:nvGrpSpPr>
+        <p:cNvPr id="1" name=""/>
+        <p:cNvGrpSpPr/>
+        <p:nvPr/>
+      </p:nvGrpSpPr>
+      <p:grpSpPr>
+        <a:xfrm>
+          <a:off x="0" y="0"/>
+          <a:ext cx="0" cy="0"/>
+          <a:chOff x="0" y="0"/>
+          <a:chExt cx="0" cy="0"/>
+        </a:xfrm>
+      </p:grpSpPr>
+      <p:sp>
+        <p:nvSpPr>
+          <p:cNvPr id="2" name="Title 1">
+            <a:extLst>
+              <a:ext uri="{FF2B5EF4-FFF2-40B4-BE49-F238E27FC236}">
+                <a16:creationId xmlns:a16="http://schemas.microsoft.com/office/drawing/2014/main" id="{D2DB6CD1-5AE7-543F-F651-97DA412255F3}"/>
+              </a:ext>
+            </a:extLst>
+          </p:cNvPr>
+          <p:cNvSpPr>
+            <a:spLocks noGrp="1"/>
+          </p:cNvSpPr>
+          <p:nvPr>
+            <p:ph type="title"/>
+          </p:nvPr>
+        </p:nvSpPr>
+        <p:spPr/>
+        <p:txBody>
+          <a:bodyPr/>
+          <a:lstStyle/>
+          <a:p>
+            <a:r>
+              <a:rPr lang="en-NL" dirty="0"/>
+              <a:t>Architecture</a:t>
+            </a:r>
+          </a:p>
+        </p:txBody>
+      </p:sp>
+      <p:sp>
+        <p:nvSpPr>
+          <p:cNvPr id="3" name="Content Placeholder 2">
+            <a:extLst>
+              <a:ext uri="{FF2B5EF4-FFF2-40B4-BE49-F238E27FC236}">
+                <a16:creationId xmlns:a16="http://schemas.microsoft.com/office/drawing/2014/main" id="{305815FA-D660-920B-5806-DFAF33CA9C35}"/>
+              </a:ext>
+            </a:extLst>
+          </p:cNvPr>
+          <p:cNvSpPr>
+            <a:spLocks noGrp="1"/>
+          </p:cNvSpPr>
+          <p:nvPr>
+            <p:ph idx="1"/>
+          </p:nvPr>
+        </p:nvSpPr>
+        <p:spPr/>
+        <p:txBody>
+          <a:bodyPr/>
+          <a:lstStyle/>
+          <a:p>
+            <a:r>
+              <a:rPr lang="en-NL" dirty="0"/>
+              <a:t>Enables decoupling.</a:t>
+            </a:r>
+          </a:p>
+          <a:p>
+            <a:r>
+              <a:rPr lang="en-NL" dirty="0"/>
+              <a:t>Allows both Batch and stream processing in their own pace.</a:t>
+            </a:r>
+          </a:p>
+          <a:p>
+            <a:endParaRPr lang="en-NL" dirty="0"/>
+          </a:p>
+        </p:txBody>
+      </p:sp>
+    </p:spTree>
+    <p:extLst>
+      <p:ext uri="{BB962C8B-B14F-4D97-AF65-F5344CB8AC3E}">
+        <p14:creationId xmlns:p14="http://schemas.microsoft.com/office/powerpoint/2010/main" val="2858033306"/>
+      </p:ext>
+    </p:extLst>
+  </p:cSld>
+  <p:clrMapOvr>
+    <a:masterClrMapping/>
+  </p:clrMapOvr>
+</p:sld>
+</file>
+
+<file path=ppt/slides/slide4.xml><?xml version="1.0" encoding="utf-8"?>
+<p:sld xmlns:a="http://schemas.openxmlformats.org/drawingml/2006/main" xmlns:r="http://schemas.openxmlformats.org/officeDocument/2006/relationships" xmlns:p="http://schemas.openxmlformats.org/presentationml/2006/main">
+  <p:cSld>
+    <p:spTree>
+      <p:nvGrpSpPr>
+        <p:cNvPr id="1" name=""/>
+        <p:cNvGrpSpPr/>
+        <p:nvPr/>
+      </p:nvGrpSpPr>
+      <p:grpSpPr>
+        <a:xfrm>
+          <a:off x="0" y="0"/>
+          <a:ext cx="0" cy="0"/>
+          <a:chOff x="0" y="0"/>
+          <a:chExt cx="0" cy="0"/>
+        </a:xfrm>
+      </p:grpSpPr>
+      <p:sp>
+        <p:nvSpPr>
+          <p:cNvPr id="2" name="Title 1">
+            <a:extLst>
+              <a:ext uri="{FF2B5EF4-FFF2-40B4-BE49-F238E27FC236}">
+                <a16:creationId xmlns:a16="http://schemas.microsoft.com/office/drawing/2014/main" id="{D8C2C101-2178-FD6F-9BF5-079F07E5F586}"/>
+              </a:ext>
+            </a:extLst>
+          </p:cNvPr>
+          <p:cNvSpPr>
+            <a:spLocks noGrp="1"/>
+          </p:cNvSpPr>
+          <p:nvPr>
+            <p:ph type="title"/>
+          </p:nvPr>
+        </p:nvSpPr>
+        <p:spPr/>
+        <p:txBody>
+          <a:bodyPr/>
+          <a:lstStyle/>
+          <a:p>
+            <a:r>
+              <a:rPr lang="en-NL" dirty="0"/>
+              <a:t>References</a:t>
+            </a:r>
+          </a:p>
+        </p:txBody>
+      </p:sp>
+      <p:sp>
+        <p:nvSpPr>
+          <p:cNvPr id="3" name="Content Placeholder 2">
+            <a:extLst>
+              <a:ext uri="{FF2B5EF4-FFF2-40B4-BE49-F238E27FC236}">
+                <a16:creationId xmlns:a16="http://schemas.microsoft.com/office/drawing/2014/main" id="{2FC3CF6F-B66D-748D-3E62-C57FAC8085C3}"/>
+              </a:ext>
+            </a:extLst>
+          </p:cNvPr>
+          <p:cNvSpPr>
+            <a:spLocks noGrp="1"/>
+          </p:cNvSpPr>
+          <p:nvPr>
+            <p:ph idx="1"/>
+          </p:nvPr>
+        </p:nvSpPr>
+        <p:spPr/>
+        <p:txBody>
+          <a:bodyPr/>
+          <a:lstStyle/>
+          <a:p>
+            <a:r>
+              <a:rPr lang="en-GB" dirty="0">
+                <a:hlinkClick r:id="rId2"/>
+              </a:rPr>
+              <a:t>https://www.kai-waehner.de/blog/2021/09/23/real-time-kappa-architecture-mainstream-replacing-batch-lambda/</a:t>
+            </a:r>
+            <a:endParaRPr lang="en-GB" dirty="0"/>
+          </a:p>
+          <a:p>
+            <a:endParaRPr lang="en-NL" dirty="0"/>
+          </a:p>
+        </p:txBody>
+      </p:sp>
+    </p:spTree>
+    <p:extLst>
+      <p:ext uri="{BB962C8B-B14F-4D97-AF65-F5344CB8AC3E}">
+        <p14:creationId xmlns:p14="http://schemas.microsoft.com/office/powerpoint/2010/main" val="1876865450"/>
       </p:ext>
     </p:extLst>
   </p:cSld>

--- a/Presentation1.pptx
+++ b/Presentation1.pptx
@@ -4077,6 +4077,6 @@
 
 <file path=docMetadata/LabelInfo.xml><?xml version="1.0" encoding="utf-8"?>
 <clbl:labelList xmlns:clbl="http://schemas.microsoft.com/office/2020/mipLabelMetadata">
-  <clbl:label id="{42f063bf-ce3a-473c-8609-3866002c85b0}" enabled="1" method="Standard" siteId="{b914a242-e718-443b-a47c-6b4c649d8c0a}" contentBits="0" removed="0"/>
+  <clbl:label id="{42f063bf-ce3a-473c-8609-3866002c85b0}" enabled="1" method="Privileged" siteId="{b914a242-e718-443b-a47c-6b4c649d8c0a}" contentBits="0" removed="0"/>
 </clbl:labelList>
 </file>